--- a/Documentação/Desenho de Solução/Desenho de Solução.pptx
+++ b/Documentação/Desenho de Solução/Desenho de Solução.pptx
@@ -104,6 +104,11 @@
       </a:defRPr>
     </a:lvl9pPr>
   </p:defaultTextStyle>
+  <p:extLst>
+    <p:ext uri="{EFAFB233-063F-42B5-8137-9DF3F51BA10A}">
+      <p15:sldGuideLst xmlns:p15="http://schemas.microsoft.com/office/powerpoint/2012/main"/>
+    </p:ext>
+  </p:extLst>
 </p:presentation>
 </file>
 
@@ -3331,10 +3336,10 @@
       </p:grpSpPr>
       <p:pic>
         <p:nvPicPr>
-          <p:cNvPr id="10" name="Imagem 9" descr="Tela de celular com texto preto sobre fundo branco&#10;&#10;Descrição gerada automaticamente">
-            <a:extLst>
-              <a:ext uri="{FF2B5EF4-FFF2-40B4-BE49-F238E27FC236}">
-                <a16:creationId xmlns:a16="http://schemas.microsoft.com/office/drawing/2014/main" id="{2D193F1C-C933-4904-821C-9C1124CE87C6}"/>
+          <p:cNvPr id="3" name="Imagem 2" descr="Tela de celular com texto preto sobre fundo branco&#10;&#10;Descrição gerada automaticamente">
+            <a:extLst>
+              <a:ext uri="{FF2B5EF4-FFF2-40B4-BE49-F238E27FC236}">
+                <a16:creationId xmlns:a16="http://schemas.microsoft.com/office/drawing/2014/main" id="{71829813-66B1-4FCD-B0D9-0DDF0901B113}"/>
               </a:ext>
             </a:extLst>
           </p:cNvPr>
